--- a/TWITTERDB.pptx
+++ b/TWITTERDB.pptx
@@ -26,9 +26,11 @@
     <p:sldId id="295" r:id="rId20"/>
     <p:sldId id="299" r:id="rId21"/>
     <p:sldId id="300" r:id="rId22"/>
-    <p:sldId id="301" r:id="rId23"/>
-    <p:sldId id="290" r:id="rId24"/>
-    <p:sldId id="259" r:id="rId25"/>
+    <p:sldId id="302" r:id="rId23"/>
+    <p:sldId id="303" r:id="rId24"/>
+    <p:sldId id="301" r:id="rId25"/>
+    <p:sldId id="290" r:id="rId26"/>
+    <p:sldId id="259" r:id="rId27"/>
   </p:sldIdLst>
   <p:sldSz cx="12192000" cy="6858000"/>
   <p:notesSz cx="6858000" cy="9144000"/>
@@ -193,7 +195,7 @@
             <a:fld id="{332A2218-225A-48DA-A233-700CA1825B7F}" type="datetimeFigureOut">
               <a:rPr lang="en-IN" smtClean="0"/>
               <a:pPr/>
-              <a:t>14-06-2021</a:t>
+              <a:t>15-06-2021</a:t>
             </a:fld>
             <a:endParaRPr lang="en-IN"/>
           </a:p>
@@ -881,7 +883,7 @@
             <a:fld id="{332A2218-225A-48DA-A233-700CA1825B7F}" type="datetimeFigureOut">
               <a:rPr lang="en-IN" smtClean="0"/>
               <a:pPr/>
-              <a:t>14-06-2021</a:t>
+              <a:t>15-06-2021</a:t>
             </a:fld>
             <a:endParaRPr lang="en-IN"/>
           </a:p>
@@ -1057,7 +1059,7 @@
             <a:fld id="{332A2218-225A-48DA-A233-700CA1825B7F}" type="datetimeFigureOut">
               <a:rPr lang="en-IN" smtClean="0"/>
               <a:pPr/>
-              <a:t>14-06-2021</a:t>
+              <a:t>15-06-2021</a:t>
             </a:fld>
             <a:endParaRPr lang="en-IN"/>
           </a:p>
@@ -1223,7 +1225,7 @@
             <a:fld id="{332A2218-225A-48DA-A233-700CA1825B7F}" type="datetimeFigureOut">
               <a:rPr lang="en-IN" smtClean="0"/>
               <a:pPr/>
-              <a:t>14-06-2021</a:t>
+              <a:t>15-06-2021</a:t>
             </a:fld>
             <a:endParaRPr lang="en-IN"/>
           </a:p>
@@ -2672,7 +2674,7 @@
             <a:fld id="{332A2218-225A-48DA-A233-700CA1825B7F}" type="datetimeFigureOut">
               <a:rPr lang="en-IN" smtClean="0"/>
               <a:pPr/>
-              <a:t>14-06-2021</a:t>
+              <a:t>15-06-2021</a:t>
             </a:fld>
             <a:endParaRPr lang="en-IN"/>
           </a:p>
@@ -3252,7 +3254,7 @@
             <a:fld id="{332A2218-225A-48DA-A233-700CA1825B7F}" type="datetimeFigureOut">
               <a:rPr lang="en-IN" smtClean="0"/>
               <a:pPr/>
-              <a:t>14-06-2021</a:t>
+              <a:t>15-06-2021</a:t>
             </a:fld>
             <a:endParaRPr lang="en-IN"/>
           </a:p>
@@ -3682,7 +3684,7 @@
             <a:fld id="{332A2218-225A-48DA-A233-700CA1825B7F}" type="datetimeFigureOut">
               <a:rPr lang="en-IN" smtClean="0"/>
               <a:pPr/>
-              <a:t>14-06-2021</a:t>
+              <a:t>15-06-2021</a:t>
             </a:fld>
             <a:endParaRPr lang="en-IN"/>
           </a:p>
@@ -4220,7 +4222,7 @@
             <a:fld id="{332A2218-225A-48DA-A233-700CA1825B7F}" type="datetimeFigureOut">
               <a:rPr lang="en-IN" smtClean="0"/>
               <a:pPr/>
-              <a:t>14-06-2021</a:t>
+              <a:t>15-06-2021</a:t>
             </a:fld>
             <a:endParaRPr lang="en-IN"/>
           </a:p>
@@ -4312,7 +4314,7 @@
             <a:fld id="{332A2218-225A-48DA-A233-700CA1825B7F}" type="datetimeFigureOut">
               <a:rPr lang="en-IN" smtClean="0"/>
               <a:pPr/>
-              <a:t>14-06-2021</a:t>
+              <a:t>15-06-2021</a:t>
             </a:fld>
             <a:endParaRPr lang="en-IN"/>
           </a:p>
@@ -4561,7 +4563,7 @@
             <a:fld id="{332A2218-225A-48DA-A233-700CA1825B7F}" type="datetimeFigureOut">
               <a:rPr lang="en-IN" smtClean="0"/>
               <a:pPr/>
-              <a:t>14-06-2021</a:t>
+              <a:t>15-06-2021</a:t>
             </a:fld>
             <a:endParaRPr lang="en-IN"/>
           </a:p>
@@ -5274,7 +5276,7 @@
             <a:fld id="{332A2218-225A-48DA-A233-700CA1825B7F}" type="datetimeFigureOut">
               <a:rPr lang="en-IN" smtClean="0"/>
               <a:pPr/>
-              <a:t>14-06-2021</a:t>
+              <a:t>15-06-2021</a:t>
             </a:fld>
             <a:endParaRPr lang="en-IN"/>
           </a:p>
@@ -5921,7 +5923,7 @@
             <a:fld id="{332A2218-225A-48DA-A233-700CA1825B7F}" type="datetimeFigureOut">
               <a:rPr lang="en-IN" smtClean="0"/>
               <a:pPr/>
-              <a:t>14-06-2021</a:t>
+              <a:t>15-06-2021</a:t>
             </a:fld>
             <a:endParaRPr lang="en-IN"/>
           </a:p>
@@ -8677,14 +8679,8 @@
               <a:t>  </a:t>
             </a:r>
             <a:r>
-              <a:rPr lang="en-US" dirty="0">
-                <a:solidFill>
-                  <a:schemeClr val="tx1">
-                    <a:lumMod val="95000"/>
-                  </a:schemeClr>
-                </a:solidFill>
-              </a:rPr>
-              <a:t>SELECT DISTINCT CREATED_AT FROM COMMENTS;</a:t>
+              <a:rPr lang="en-US" dirty="0"/>
+              <a:t>SELECT DISTINCT CREATED_AT,ID,COMMENT FROM COMMENTS;</a:t>
             </a:r>
           </a:p>
           <a:p>
@@ -8712,10 +8708,10 @@
       </p:sp>
       <p:pic>
         <p:nvPicPr>
-          <p:cNvPr id="5" name="Picture 4">
+          <p:cNvPr id="6" name="Picture 5">
             <a:extLst>
               <a:ext uri="{FF2B5EF4-FFF2-40B4-BE49-F238E27FC236}">
-                <a16:creationId xmlns:a16="http://schemas.microsoft.com/office/drawing/2014/main" id="{6957EFE4-3232-491D-93AA-06A27B6EDF65}"/>
+                <a16:creationId xmlns:a16="http://schemas.microsoft.com/office/drawing/2014/main" id="{BE4B0668-3E75-45B3-BC65-665DF940F2C3}"/>
               </a:ext>
             </a:extLst>
           </p:cNvPr>
@@ -8738,8 +8734,8 @@
         </p:blipFill>
         <p:spPr>
           <a:xfrm>
-            <a:off x="1482570" y="3249227"/>
-            <a:ext cx="5592933" cy="2130642"/>
+            <a:off x="2543131" y="2983832"/>
+            <a:ext cx="7210469" cy="2245248"/>
           </a:xfrm>
           <a:prstGeom prst="rect">
             <a:avLst/>
@@ -8906,6 +8902,355 @@
       </p:grpSpPr>
       <p:sp>
         <p:nvSpPr>
+          <p:cNvPr id="2" name="Title 1">
+            <a:extLst>
+              <a:ext uri="{FF2B5EF4-FFF2-40B4-BE49-F238E27FC236}">
+                <a16:creationId xmlns:a16="http://schemas.microsoft.com/office/drawing/2014/main" id="{0439FBB0-83B3-459B-A9CA-EB9181E9C1C7}"/>
+              </a:ext>
+            </a:extLst>
+          </p:cNvPr>
+          <p:cNvSpPr>
+            <a:spLocks noGrp="1"/>
+          </p:cNvSpPr>
+          <p:nvPr>
+            <p:ph type="title"/>
+          </p:nvPr>
+        </p:nvSpPr>
+        <p:spPr>
+          <a:xfrm>
+            <a:off x="593558" y="144380"/>
+            <a:ext cx="10988842" cy="641684"/>
+          </a:xfrm>
+        </p:spPr>
+        <p:txBody>
+          <a:bodyPr/>
+          <a:lstStyle/>
+          <a:p>
+            <a:r>
+              <a:rPr lang="en-IN" sz="2400" dirty="0">
+                <a:solidFill>
+                  <a:schemeClr val="accent1">
+                    <a:lumMod val="75000"/>
+                  </a:schemeClr>
+                </a:solidFill>
+                <a:latin typeface="Consolas" panose="020B0609020204030204" pitchFamily="49" charset="0"/>
+                <a:ea typeface="Calibri" panose="020F0502020204030204" pitchFamily="34" charset="0"/>
+                <a:cs typeface="Consolas" panose="020B0609020204030204" pitchFamily="49" charset="0"/>
+              </a:rPr>
+              <a:t>WRITE A QUERY TO DISPLAY NO LIKES OF FOR COMMNETS BY USING RIGHT JOIN</a:t>
+            </a:r>
+            <a:br>
+              <a:rPr lang="en-IN" dirty="0">
+                <a:solidFill>
+                  <a:schemeClr val="accent1">
+                    <a:lumMod val="75000"/>
+                  </a:schemeClr>
+                </a:solidFill>
+                <a:latin typeface="Calibri" panose="020F0502020204030204" pitchFamily="34" charset="0"/>
+                <a:ea typeface="Calibri" panose="020F0502020204030204" pitchFamily="34" charset="0"/>
+                <a:cs typeface="Times New Roman" panose="02020603050405020304" pitchFamily="18" charset="0"/>
+              </a:rPr>
+            </a:br>
+            <a:endParaRPr lang="en-US" dirty="0"/>
+          </a:p>
+        </p:txBody>
+      </p:sp>
+      <p:sp>
+        <p:nvSpPr>
+          <p:cNvPr id="3" name="Content Placeholder 2">
+            <a:extLst>
+              <a:ext uri="{FF2B5EF4-FFF2-40B4-BE49-F238E27FC236}">
+                <a16:creationId xmlns:a16="http://schemas.microsoft.com/office/drawing/2014/main" id="{76F0426C-5670-4347-9342-D6BE134C959F}"/>
+              </a:ext>
+            </a:extLst>
+          </p:cNvPr>
+          <p:cNvSpPr>
+            <a:spLocks noGrp="1"/>
+          </p:cNvSpPr>
+          <p:nvPr>
+            <p:ph idx="1"/>
+          </p:nvPr>
+        </p:nvSpPr>
+        <p:spPr>
+          <a:xfrm>
+            <a:off x="609600" y="625642"/>
+            <a:ext cx="10972800" cy="5729918"/>
+          </a:xfrm>
+        </p:spPr>
+        <p:txBody>
+          <a:bodyPr/>
+          <a:lstStyle/>
+          <a:p>
+            <a:r>
+              <a:rPr lang="en-IN" sz="2400" dirty="0">
+                <a:latin typeface="Consolas" panose="020B0609020204030204" pitchFamily="49" charset="0"/>
+              </a:rPr>
+              <a:t>SELECT TWEET_LIKES.ID,TWEET_LIKES.POST_ID,TWEET_LIKES.CREATED_AT,TWEET_LIKES.UPDATED_AT,TWEET_LIKES.NO_OF_LIKES,COMMENTS.COMMENT FROM TWEET_LIKES RIGHT JOIN COMMENTS</a:t>
+            </a:r>
+          </a:p>
+          <a:p>
+            <a:r>
+              <a:rPr lang="en-US" sz="2400" dirty="0">
+                <a:latin typeface="Consolas" panose="020B0609020204030204" pitchFamily="49" charset="0"/>
+              </a:rPr>
+              <a:t>ON TWEET_LIKES.ID=COMMENTS.ID;</a:t>
+            </a:r>
+          </a:p>
+          <a:p>
+            <a:r>
+              <a:rPr lang="en-IN" sz="2400" dirty="0"/>
+              <a:t>OUTPUT:</a:t>
+            </a:r>
+          </a:p>
+          <a:p>
+            <a:pPr marL="68580" indent="0">
+              <a:buNone/>
+            </a:pPr>
+            <a:endParaRPr lang="en-US" dirty="0"/>
+          </a:p>
+        </p:txBody>
+      </p:sp>
+      <p:pic>
+        <p:nvPicPr>
+          <p:cNvPr id="4" name="Picture 3">
+            <a:extLst>
+              <a:ext uri="{FF2B5EF4-FFF2-40B4-BE49-F238E27FC236}">
+                <a16:creationId xmlns:a16="http://schemas.microsoft.com/office/drawing/2014/main" id="{EB9F3B18-23C1-4C97-AAEB-B92F858BB461}"/>
+              </a:ext>
+            </a:extLst>
+          </p:cNvPr>
+          <p:cNvPicPr>
+            <a:picLocks noChangeAspect="1"/>
+          </p:cNvPicPr>
+          <p:nvPr/>
+        </p:nvPicPr>
+        <p:blipFill>
+          <a:blip r:embed="rId2">
+            <a:extLst>
+              <a:ext uri="{28A0092B-C50C-407E-A947-70E740481C1C}">
+                <a14:useLocalDpi xmlns:a14="http://schemas.microsoft.com/office/drawing/2010/main" val="0"/>
+              </a:ext>
+            </a:extLst>
+          </a:blip>
+          <a:stretch>
+            <a:fillRect/>
+          </a:stretch>
+        </p:blipFill>
+        <p:spPr>
+          <a:xfrm>
+            <a:off x="1339703" y="3643585"/>
+            <a:ext cx="10207254" cy="2565829"/>
+          </a:xfrm>
+          <a:prstGeom prst="rect">
+            <a:avLst/>
+          </a:prstGeom>
+        </p:spPr>
+      </p:pic>
+    </p:spTree>
+    <p:extLst>
+      <p:ext uri="{BB962C8B-B14F-4D97-AF65-F5344CB8AC3E}">
+        <p14:creationId xmlns:p14="http://schemas.microsoft.com/office/powerpoint/2010/main" val="2335541427"/>
+      </p:ext>
+    </p:extLst>
+  </p:cSld>
+  <p:clrMapOvr>
+    <a:masterClrMapping/>
+  </p:clrMapOvr>
+</p:sld>
+</file>
+
+<file path=ppt/slides/slide23.xml><?xml version="1.0" encoding="utf-8"?>
+<p:sld xmlns:a="http://schemas.openxmlformats.org/drawingml/2006/main" xmlns:r="http://schemas.openxmlformats.org/officeDocument/2006/relationships" xmlns:p="http://schemas.openxmlformats.org/presentationml/2006/main">
+  <p:cSld>
+    <p:spTree>
+      <p:nvGrpSpPr>
+        <p:cNvPr id="1" name=""/>
+        <p:cNvGrpSpPr/>
+        <p:nvPr/>
+      </p:nvGrpSpPr>
+      <p:grpSpPr>
+        <a:xfrm>
+          <a:off x="0" y="0"/>
+          <a:ext cx="0" cy="0"/>
+          <a:chOff x="0" y="0"/>
+          <a:chExt cx="0" cy="0"/>
+        </a:xfrm>
+      </p:grpSpPr>
+      <p:sp>
+        <p:nvSpPr>
+          <p:cNvPr id="2" name="Title 1">
+            <a:extLst>
+              <a:ext uri="{FF2B5EF4-FFF2-40B4-BE49-F238E27FC236}">
+                <a16:creationId xmlns:a16="http://schemas.microsoft.com/office/drawing/2014/main" id="{2888ECEE-32A4-46DF-83B2-521B4F398397}"/>
+              </a:ext>
+            </a:extLst>
+          </p:cNvPr>
+          <p:cNvSpPr>
+            <a:spLocks noGrp="1"/>
+          </p:cNvSpPr>
+          <p:nvPr>
+            <p:ph type="title"/>
+          </p:nvPr>
+        </p:nvSpPr>
+        <p:spPr>
+          <a:xfrm>
+            <a:off x="1219200" y="112296"/>
+            <a:ext cx="10363200" cy="609600"/>
+          </a:xfrm>
+        </p:spPr>
+        <p:txBody>
+          <a:bodyPr/>
+          <a:lstStyle/>
+          <a:p>
+            <a:r>
+              <a:rPr lang="en-IN" sz="2400" dirty="0">
+                <a:solidFill>
+                  <a:srgbClr val="00B050"/>
+                </a:solidFill>
+                <a:latin typeface="Consolas" panose="020B0609020204030204" pitchFamily="49" charset="0"/>
+                <a:ea typeface="Calibri" panose="020F0502020204030204" pitchFamily="34" charset="0"/>
+                <a:cs typeface="Consolas" panose="020B0609020204030204" pitchFamily="49" charset="0"/>
+              </a:rPr>
+              <a:t>WRITE A QUERY TO DISPLAY WHOSE COMMENT STARTS WITH LETTER W</a:t>
+            </a:r>
+            <a:br>
+              <a:rPr lang="en-IN" dirty="0">
+                <a:latin typeface="Calibri" panose="020F0502020204030204" pitchFamily="34" charset="0"/>
+                <a:ea typeface="Calibri" panose="020F0502020204030204" pitchFamily="34" charset="0"/>
+                <a:cs typeface="Times New Roman" panose="02020603050405020304" pitchFamily="18" charset="0"/>
+              </a:rPr>
+            </a:br>
+            <a:endParaRPr lang="en-US" dirty="0"/>
+          </a:p>
+        </p:txBody>
+      </p:sp>
+      <p:sp>
+        <p:nvSpPr>
+          <p:cNvPr id="3" name="Content Placeholder 2">
+            <a:extLst>
+              <a:ext uri="{FF2B5EF4-FFF2-40B4-BE49-F238E27FC236}">
+                <a16:creationId xmlns:a16="http://schemas.microsoft.com/office/drawing/2014/main" id="{3E332A27-D15B-40BF-9A1C-93D3FB747618}"/>
+              </a:ext>
+            </a:extLst>
+          </p:cNvPr>
+          <p:cNvSpPr>
+            <a:spLocks noGrp="1"/>
+          </p:cNvSpPr>
+          <p:nvPr>
+            <p:ph idx="1"/>
+          </p:nvPr>
+        </p:nvSpPr>
+        <p:spPr>
+          <a:xfrm>
+            <a:off x="1219200" y="561474"/>
+            <a:ext cx="10363200" cy="5794086"/>
+          </a:xfrm>
+        </p:spPr>
+        <p:txBody>
+          <a:bodyPr/>
+          <a:lstStyle/>
+          <a:p>
+            <a:r>
+              <a:rPr lang="en-IN" sz="3200" dirty="0">
+                <a:latin typeface="Consolas" panose="020B0609020204030204" pitchFamily="49" charset="0"/>
+              </a:rPr>
+              <a:t>SELECT *FROM COMMENTS</a:t>
+            </a:r>
+          </a:p>
+          <a:p>
+            <a:r>
+              <a:rPr lang="en-IN" sz="3200" dirty="0">
+                <a:latin typeface="Consolas" panose="020B0609020204030204" pitchFamily="49" charset="0"/>
+              </a:rPr>
+              <a:t>WHERE  COMMENT LIKE 'W%’;</a:t>
+            </a:r>
+            <a:endParaRPr lang="en-IN" dirty="0"/>
+          </a:p>
+          <a:p>
+            <a:pPr marL="68580" indent="0">
+              <a:buNone/>
+            </a:pPr>
+            <a:r>
+              <a:rPr lang="en-US" dirty="0"/>
+              <a:t>OUTPUT:</a:t>
+            </a:r>
+          </a:p>
+          <a:p>
+            <a:pPr marL="68580" indent="0">
+              <a:buNone/>
+            </a:pPr>
+            <a:endParaRPr lang="en-US" dirty="0"/>
+          </a:p>
+        </p:txBody>
+      </p:sp>
+      <p:pic>
+        <p:nvPicPr>
+          <p:cNvPr id="4" name="Picture 3">
+            <a:extLst>
+              <a:ext uri="{FF2B5EF4-FFF2-40B4-BE49-F238E27FC236}">
+                <a16:creationId xmlns:a16="http://schemas.microsoft.com/office/drawing/2014/main" id="{30CE7347-AD94-4CDD-AFE6-F71807AC4E66}"/>
+              </a:ext>
+            </a:extLst>
+          </p:cNvPr>
+          <p:cNvPicPr>
+            <a:picLocks noChangeAspect="1"/>
+          </p:cNvPicPr>
+          <p:nvPr/>
+        </p:nvPicPr>
+        <p:blipFill>
+          <a:blip r:embed="rId2">
+            <a:extLst>
+              <a:ext uri="{28A0092B-C50C-407E-A947-70E740481C1C}">
+                <a14:useLocalDpi xmlns:a14="http://schemas.microsoft.com/office/drawing/2010/main" val="0"/>
+              </a:ext>
+            </a:extLst>
+          </a:blip>
+          <a:stretch>
+            <a:fillRect/>
+          </a:stretch>
+        </p:blipFill>
+        <p:spPr>
+          <a:xfrm>
+            <a:off x="1552352" y="3071762"/>
+            <a:ext cx="9186531" cy="1712889"/>
+          </a:xfrm>
+          <a:prstGeom prst="rect">
+            <a:avLst/>
+          </a:prstGeom>
+        </p:spPr>
+      </p:pic>
+    </p:spTree>
+    <p:extLst>
+      <p:ext uri="{BB962C8B-B14F-4D97-AF65-F5344CB8AC3E}">
+        <p14:creationId xmlns:p14="http://schemas.microsoft.com/office/powerpoint/2010/main" val="3679600564"/>
+      </p:ext>
+    </p:extLst>
+  </p:cSld>
+  <p:clrMapOvr>
+    <a:masterClrMapping/>
+  </p:clrMapOvr>
+</p:sld>
+</file>
+
+<file path=ppt/slides/slide24.xml><?xml version="1.0" encoding="utf-8"?>
+<p:sld xmlns:a="http://schemas.openxmlformats.org/drawingml/2006/main" xmlns:r="http://schemas.openxmlformats.org/officeDocument/2006/relationships" xmlns:p="http://schemas.openxmlformats.org/presentationml/2006/main">
+  <p:cSld>
+    <p:spTree>
+      <p:nvGrpSpPr>
+        <p:cNvPr id="1" name=""/>
+        <p:cNvGrpSpPr/>
+        <p:nvPr/>
+      </p:nvGrpSpPr>
+      <p:grpSpPr>
+        <a:xfrm>
+          <a:off x="0" y="0"/>
+          <a:ext cx="0" cy="0"/>
+          <a:chOff x="0" y="0"/>
+          <a:chExt cx="0" cy="0"/>
+        </a:xfrm>
+      </p:grpSpPr>
+      <p:sp>
+        <p:nvSpPr>
           <p:cNvPr id="3" name="Content Placeholder 2">
             <a:extLst>
               <a:ext uri="{FF2B5EF4-FFF2-40B4-BE49-F238E27FC236}">
@@ -9014,7 +9359,7 @@
 </p:sld>
 </file>
 
-<file path=ppt/slides/slide23.xml><?xml version="1.0" encoding="utf-8"?>
+<file path=ppt/slides/slide25.xml><?xml version="1.0" encoding="utf-8"?>
 <p:sld xmlns:a="http://schemas.openxmlformats.org/drawingml/2006/main" xmlns:r="http://schemas.openxmlformats.org/officeDocument/2006/relationships" xmlns:p="http://schemas.openxmlformats.org/presentationml/2006/main">
   <p:cSld>
     <p:spTree>
@@ -9747,7 +10092,7 @@
 </p:sld>
 </file>
 
-<file path=ppt/slides/slide24.xml><?xml version="1.0" encoding="utf-8"?>
+<file path=ppt/slides/slide26.xml><?xml version="1.0" encoding="utf-8"?>
 <p:sld xmlns:a="http://schemas.openxmlformats.org/drawingml/2006/main" xmlns:r="http://schemas.openxmlformats.org/officeDocument/2006/relationships" xmlns:p="http://schemas.openxmlformats.org/presentationml/2006/main">
   <p:cSld>
     <p:spTree>
